--- a/Hangman.pptx
+++ b/Hangman.pptx
@@ -5,7 +5,7 @@
     <p:sldMasterId id="2147483648" r:id="rId1"/>
   </p:sldMasterIdLst>
   <p:notesMasterIdLst>
-    <p:notesMasterId r:id="rId8"/>
+    <p:notesMasterId r:id="rId9"/>
   </p:notesMasterIdLst>
   <p:sldIdLst>
     <p:sldId id="256" r:id="rId2"/>
@@ -14,6 +14,7 @@
     <p:sldId id="260" r:id="rId5"/>
     <p:sldId id="261" r:id="rId6"/>
     <p:sldId id="262" r:id="rId7"/>
+    <p:sldId id="263" r:id="rId8"/>
   </p:sldIdLst>
   <p:sldSz cx="12192000" cy="6858000"/>
   <p:notesSz cx="6858000" cy="9144000"/>
@@ -202,7 +203,7 @@
           <a:p>
             <a:fld id="{7D2F5A7F-A2CD-4AE3-A2CC-C784A04E6488}" type="datetimeFigureOut">
               <a:rPr lang="en-GB" smtClean="0"/>
-              <a:t>27/05/2024</a:t>
+              <a:t>05/06/2024</a:t>
             </a:fld>
             <a:endParaRPr lang="en-GB"/>
           </a:p>
@@ -974,6 +975,90 @@
 </p:notes>
 </file>
 
+<file path=ppt/notesSlides/notesSlide7.xml><?xml version="1.0" encoding="utf-8"?>
+<p:notes xmlns:a="http://schemas.openxmlformats.org/drawingml/2006/main" xmlns:r="http://schemas.openxmlformats.org/officeDocument/2006/relationships" xmlns:p="http://schemas.openxmlformats.org/presentationml/2006/main">
+  <p:cSld>
+    <p:spTree>
+      <p:nvGrpSpPr>
+        <p:cNvPr id="1" name=""/>
+        <p:cNvGrpSpPr/>
+        <p:nvPr/>
+      </p:nvGrpSpPr>
+      <p:grpSpPr>
+        <a:xfrm>
+          <a:off x="0" y="0"/>
+          <a:ext cx="0" cy="0"/>
+          <a:chOff x="0" y="0"/>
+          <a:chExt cx="0" cy="0"/>
+        </a:xfrm>
+      </p:grpSpPr>
+      <p:sp>
+        <p:nvSpPr>
+          <p:cNvPr id="2" name="Slide Image Placeholder 1"/>
+          <p:cNvSpPr>
+            <a:spLocks noGrp="1" noRot="1" noChangeAspect="1"/>
+          </p:cNvSpPr>
+          <p:nvPr>
+            <p:ph type="sldImg"/>
+          </p:nvPr>
+        </p:nvSpPr>
+        <p:spPr/>
+      </p:sp>
+      <p:sp>
+        <p:nvSpPr>
+          <p:cNvPr id="3" name="Notes Placeholder 2"/>
+          <p:cNvSpPr>
+            <a:spLocks noGrp="1"/>
+          </p:cNvSpPr>
+          <p:nvPr>
+            <p:ph type="body" idx="1"/>
+          </p:nvPr>
+        </p:nvSpPr>
+        <p:spPr/>
+        <p:txBody>
+          <a:bodyPr/>
+          <a:lstStyle/>
+          <a:p>
+            <a:endParaRPr lang="en-GB" dirty="0"/>
+          </a:p>
+        </p:txBody>
+      </p:sp>
+      <p:sp>
+        <p:nvSpPr>
+          <p:cNvPr id="4" name="Slide Number Placeholder 3"/>
+          <p:cNvSpPr>
+            <a:spLocks noGrp="1"/>
+          </p:cNvSpPr>
+          <p:nvPr>
+            <p:ph type="sldNum" sz="quarter" idx="5"/>
+          </p:nvPr>
+        </p:nvSpPr>
+        <p:spPr/>
+        <p:txBody>
+          <a:bodyPr/>
+          <a:lstStyle/>
+          <a:p>
+            <a:fld id="{759CAACC-B752-4561-82DB-C5949C53B10D}" type="slidenum">
+              <a:rPr lang="en-GB" smtClean="0"/>
+              <a:t>7</a:t>
+            </a:fld>
+            <a:endParaRPr lang="en-GB"/>
+          </a:p>
+        </p:txBody>
+      </p:sp>
+    </p:spTree>
+    <p:extLst>
+      <p:ext uri="{BB962C8B-B14F-4D97-AF65-F5344CB8AC3E}">
+        <p14:creationId xmlns:p14="http://schemas.microsoft.com/office/powerpoint/2010/main" val="2691070530"/>
+      </p:ext>
+    </p:extLst>
+  </p:cSld>
+  <p:clrMapOvr>
+    <a:masterClrMapping/>
+  </p:clrMapOvr>
+</p:notes>
+</file>
+
 <file path=ppt/slideLayouts/slideLayout1.xml><?xml version="1.0" encoding="utf-8"?>
 <p:sldLayout xmlns:a="http://schemas.openxmlformats.org/drawingml/2006/main" xmlns:r="http://schemas.openxmlformats.org/officeDocument/2006/relationships" xmlns:p="http://schemas.openxmlformats.org/presentationml/2006/main" type="title" preserve="1">
   <p:cSld name="Title Slide">
@@ -1123,7 +1208,7 @@
           <a:p>
             <a:fld id="{550A8465-DF96-483F-969A-0148A22FBADF}" type="datetimeFigureOut">
               <a:rPr lang="en-GB" smtClean="0"/>
-              <a:t>27/05/2024</a:t>
+              <a:t>05/06/2024</a:t>
             </a:fld>
             <a:endParaRPr lang="en-GB"/>
           </a:p>
@@ -1323,7 +1408,7 @@
           <a:p>
             <a:fld id="{550A8465-DF96-483F-969A-0148A22FBADF}" type="datetimeFigureOut">
               <a:rPr lang="en-GB" smtClean="0"/>
-              <a:t>27/05/2024</a:t>
+              <a:t>05/06/2024</a:t>
             </a:fld>
             <a:endParaRPr lang="en-GB"/>
           </a:p>
@@ -1533,7 +1618,7 @@
           <a:p>
             <a:fld id="{550A8465-DF96-483F-969A-0148A22FBADF}" type="datetimeFigureOut">
               <a:rPr lang="en-GB" smtClean="0"/>
-              <a:t>27/05/2024</a:t>
+              <a:t>05/06/2024</a:t>
             </a:fld>
             <a:endParaRPr lang="en-GB"/>
           </a:p>
@@ -1733,7 +1818,7 @@
           <a:p>
             <a:fld id="{550A8465-DF96-483F-969A-0148A22FBADF}" type="datetimeFigureOut">
               <a:rPr lang="en-GB" smtClean="0"/>
-              <a:t>27/05/2024</a:t>
+              <a:t>05/06/2024</a:t>
             </a:fld>
             <a:endParaRPr lang="en-GB"/>
           </a:p>
@@ -2009,7 +2094,7 @@
           <a:p>
             <a:fld id="{550A8465-DF96-483F-969A-0148A22FBADF}" type="datetimeFigureOut">
               <a:rPr lang="en-GB" smtClean="0"/>
-              <a:t>27/05/2024</a:t>
+              <a:t>05/06/2024</a:t>
             </a:fld>
             <a:endParaRPr lang="en-GB"/>
           </a:p>
@@ -2277,7 +2362,7 @@
           <a:p>
             <a:fld id="{550A8465-DF96-483F-969A-0148A22FBADF}" type="datetimeFigureOut">
               <a:rPr lang="en-GB" smtClean="0"/>
-              <a:t>27/05/2024</a:t>
+              <a:t>05/06/2024</a:t>
             </a:fld>
             <a:endParaRPr lang="en-GB"/>
           </a:p>
@@ -2692,7 +2777,7 @@
           <a:p>
             <a:fld id="{550A8465-DF96-483F-969A-0148A22FBADF}" type="datetimeFigureOut">
               <a:rPr lang="en-GB" smtClean="0"/>
-              <a:t>27/05/2024</a:t>
+              <a:t>05/06/2024</a:t>
             </a:fld>
             <a:endParaRPr lang="en-GB"/>
           </a:p>
@@ -2834,7 +2919,7 @@
           <a:p>
             <a:fld id="{550A8465-DF96-483F-969A-0148A22FBADF}" type="datetimeFigureOut">
               <a:rPr lang="en-GB" smtClean="0"/>
-              <a:t>27/05/2024</a:t>
+              <a:t>05/06/2024</a:t>
             </a:fld>
             <a:endParaRPr lang="en-GB"/>
           </a:p>
@@ -2947,7 +3032,7 @@
           <a:p>
             <a:fld id="{550A8465-DF96-483F-969A-0148A22FBADF}" type="datetimeFigureOut">
               <a:rPr lang="en-GB" smtClean="0"/>
-              <a:t>27/05/2024</a:t>
+              <a:t>05/06/2024</a:t>
             </a:fld>
             <a:endParaRPr lang="en-GB"/>
           </a:p>
@@ -3260,7 +3345,7 @@
           <a:p>
             <a:fld id="{550A8465-DF96-483F-969A-0148A22FBADF}" type="datetimeFigureOut">
               <a:rPr lang="en-GB" smtClean="0"/>
-              <a:t>27/05/2024</a:t>
+              <a:t>05/06/2024</a:t>
             </a:fld>
             <a:endParaRPr lang="en-GB"/>
           </a:p>
@@ -3549,7 +3634,7 @@
           <a:p>
             <a:fld id="{550A8465-DF96-483F-969A-0148A22FBADF}" type="datetimeFigureOut">
               <a:rPr lang="en-GB" smtClean="0"/>
-              <a:t>27/05/2024</a:t>
+              <a:t>05/06/2024</a:t>
             </a:fld>
             <a:endParaRPr lang="en-GB"/>
           </a:p>
@@ -3792,7 +3877,7 @@
           <a:p>
             <a:fld id="{550A8465-DF96-483F-969A-0148A22FBADF}" type="datetimeFigureOut">
               <a:rPr lang="en-GB" smtClean="0"/>
-              <a:t>27/05/2024</a:t>
+              <a:t>05/06/2024</a:t>
             </a:fld>
             <a:endParaRPr lang="en-GB"/>
           </a:p>
@@ -8361,6 +8446,516 @@
     <p:extLst>
       <p:ext uri="{BB962C8B-B14F-4D97-AF65-F5344CB8AC3E}">
         <p14:creationId xmlns:p14="http://schemas.microsoft.com/office/powerpoint/2010/main" val="1299791001"/>
+      </p:ext>
+    </p:extLst>
+  </p:cSld>
+  <p:clrMapOvr>
+    <a:masterClrMapping/>
+  </p:clrMapOvr>
+  <mc:AlternateContent xmlns:mc="http://schemas.openxmlformats.org/markup-compatibility/2006" xmlns:p14="http://schemas.microsoft.com/office/powerpoint/2010/main">
+    <mc:Choice Requires="p14">
+      <p:transition spd="slow" p14:dur="2000" advTm="3933"/>
+    </mc:Choice>
+    <mc:Fallback xmlns="">
+      <p:transition spd="slow" advTm="3933"/>
+    </mc:Fallback>
+  </mc:AlternateContent>
+</p:sld>
+</file>
+
+<file path=ppt/slides/slide7.xml><?xml version="1.0" encoding="utf-8"?>
+<p:sld xmlns:a="http://schemas.openxmlformats.org/drawingml/2006/main" xmlns:r="http://schemas.openxmlformats.org/officeDocument/2006/relationships" xmlns:p="http://schemas.openxmlformats.org/presentationml/2006/main">
+  <p:cSld>
+    <p:bg>
+      <p:bgPr>
+        <a:pattFill prst="lgGrid">
+          <a:fgClr>
+            <a:schemeClr val="accent1"/>
+          </a:fgClr>
+          <a:bgClr>
+            <a:schemeClr val="bg1"/>
+          </a:bgClr>
+        </a:pattFill>
+        <a:effectLst/>
+      </p:bgPr>
+    </p:bg>
+    <p:spTree>
+      <p:nvGrpSpPr>
+        <p:cNvPr id="1" name=""/>
+        <p:cNvGrpSpPr/>
+        <p:nvPr/>
+      </p:nvGrpSpPr>
+      <p:grpSpPr>
+        <a:xfrm>
+          <a:off x="0" y="0"/>
+          <a:ext cx="0" cy="0"/>
+          <a:chOff x="0" y="0"/>
+          <a:chExt cx="0" cy="0"/>
+        </a:xfrm>
+      </p:grpSpPr>
+      <p:sp>
+        <p:nvSpPr>
+          <p:cNvPr id="5" name="TextBox 4">
+            <a:extLst>
+              <a:ext uri="{FF2B5EF4-FFF2-40B4-BE49-F238E27FC236}">
+                <a16:creationId xmlns:a16="http://schemas.microsoft.com/office/drawing/2014/main" id="{890BDEB5-5D40-620B-51D6-C522E987A96C}"/>
+              </a:ext>
+            </a:extLst>
+          </p:cNvPr>
+          <p:cNvSpPr txBox="1"/>
+          <p:nvPr/>
+        </p:nvSpPr>
+        <p:spPr>
+          <a:xfrm>
+            <a:off x="234458" y="5496704"/>
+            <a:ext cx="11195542" cy="1169551"/>
+          </a:xfrm>
+          <a:prstGeom prst="rect">
+            <a:avLst/>
+          </a:prstGeom>
+          <a:solidFill>
+            <a:schemeClr val="bg2"/>
+          </a:solidFill>
+        </p:spPr>
+        <p:txBody>
+          <a:bodyPr wrap="square" rtlCol="0">
+            <a:spAutoFit/>
+          </a:bodyPr>
+          <a:lstStyle/>
+          <a:p>
+            <a:r>
+              <a:rPr lang="en-GB" sz="1400" b="1" dirty="0">
+                <a:solidFill>
+                  <a:schemeClr val="accent5"/>
+                </a:solidFill>
+              </a:rPr>
+              <a:t>HELP ON ADDITIONAL RESOURCES REQUIRED:</a:t>
+            </a:r>
+          </a:p>
+          <a:p>
+            <a:r>
+              <a:rPr lang="en-GB" sz="1400" b="1" dirty="0">
+                <a:solidFill>
+                  <a:schemeClr val="accent1"/>
+                </a:solidFill>
+                <a:latin typeface="Consolas" panose="020B0609020204030204" pitchFamily="49" charset="0"/>
+                <a:hlinkClick r:id="rId3"/>
+              </a:rPr>
+              <a:t>https://www.youtube.com/embed/lik9aaFIsl4</a:t>
+            </a:r>
+            <a:endParaRPr lang="en-GB" sz="1400" b="1" dirty="0">
+              <a:solidFill>
+                <a:schemeClr val="accent1"/>
+              </a:solidFill>
+              <a:latin typeface="Consolas" panose="020B0609020204030204" pitchFamily="49" charset="0"/>
+            </a:endParaRPr>
+          </a:p>
+          <a:p>
+            <a:r>
+              <a:rPr lang="en-GB" sz="1400" b="1" dirty="0">
+                <a:solidFill>
+                  <a:schemeClr val="accent1"/>
+                </a:solidFill>
+                <a:latin typeface="Consolas" panose="020B0609020204030204" pitchFamily="49" charset="0"/>
+                <a:hlinkClick r:id="rId4"/>
+              </a:rPr>
+              <a:t>https://www.youtube.com/embed/b4b8ktEV4Bg</a:t>
+            </a:r>
+            <a:endParaRPr lang="en-GB" sz="1400" b="1" dirty="0">
+              <a:solidFill>
+                <a:schemeClr val="accent1"/>
+              </a:solidFill>
+              <a:latin typeface="Consolas" panose="020B0609020204030204" pitchFamily="49" charset="0"/>
+            </a:endParaRPr>
+          </a:p>
+          <a:p>
+            <a:r>
+              <a:rPr lang="en-GB" sz="1400" b="1" dirty="0">
+                <a:solidFill>
+                  <a:schemeClr val="accent1"/>
+                </a:solidFill>
+                <a:latin typeface="Consolas" panose="020B0609020204030204" pitchFamily="49" charset="0"/>
+                <a:hlinkClick r:id="rId5"/>
+              </a:rPr>
+              <a:t>https://www.youtube.com/embed/cczlpiiu42M</a:t>
+            </a:r>
+            <a:endParaRPr lang="en-GB" sz="1400" b="1" dirty="0">
+              <a:solidFill>
+                <a:schemeClr val="accent1"/>
+              </a:solidFill>
+              <a:latin typeface="Consolas" panose="020B0609020204030204" pitchFamily="49" charset="0"/>
+            </a:endParaRPr>
+          </a:p>
+          <a:p>
+            <a:r>
+              <a:rPr lang="en-GB" sz="1400" b="1" dirty="0">
+                <a:solidFill>
+                  <a:schemeClr val="accent1"/>
+                </a:solidFill>
+                <a:latin typeface="Consolas" panose="020B0609020204030204" pitchFamily="49" charset="0"/>
+                <a:hlinkClick r:id="rId6"/>
+              </a:rPr>
+              <a:t>https://www.youtube.com/embed/4_s9lOuUpZ4</a:t>
+            </a:r>
+            <a:endParaRPr lang="en-GB" sz="1400" b="1" dirty="0">
+              <a:solidFill>
+                <a:schemeClr val="accent1"/>
+              </a:solidFill>
+              <a:latin typeface="Consolas" panose="020B0609020204030204" pitchFamily="49" charset="0"/>
+            </a:endParaRPr>
+          </a:p>
+        </p:txBody>
+      </p:sp>
+      <p:sp>
+        <p:nvSpPr>
+          <p:cNvPr id="12" name="Text Box 1">
+            <a:extLst>
+              <a:ext uri="{FF2B5EF4-FFF2-40B4-BE49-F238E27FC236}">
+                <a16:creationId xmlns:a16="http://schemas.microsoft.com/office/drawing/2014/main" id="{525521AB-62FA-A5F6-480D-08E580C4368B}"/>
+              </a:ext>
+            </a:extLst>
+          </p:cNvPr>
+          <p:cNvSpPr txBox="1"/>
+          <p:nvPr/>
+        </p:nvSpPr>
+        <p:spPr>
+          <a:xfrm>
+            <a:off x="234460" y="244554"/>
+            <a:ext cx="8946862" cy="954107"/>
+          </a:xfrm>
+          <a:prstGeom prst="rect">
+            <a:avLst/>
+          </a:prstGeom>
+          <a:solidFill>
+            <a:srgbClr val="84019E"/>
+          </a:solidFill>
+          <a:ln w="6350">
+            <a:solidFill>
+              <a:prstClr val="black"/>
+            </a:solidFill>
+          </a:ln>
+          <a:effectLst/>
+        </p:spPr>
+        <p:style>
+          <a:lnRef idx="0">
+            <a:schemeClr val="accent1"/>
+          </a:lnRef>
+          <a:fillRef idx="0">
+            <a:schemeClr val="accent1"/>
+          </a:fillRef>
+          <a:effectRef idx="0">
+            <a:schemeClr val="accent1"/>
+          </a:effectRef>
+          <a:fontRef idx="minor">
+            <a:schemeClr val="dk1"/>
+          </a:fontRef>
+        </p:style>
+        <p:txBody>
+          <a:bodyPr rot="0" spcFirstLastPara="0" vert="horz" wrap="square" lIns="91440" tIns="45720" rIns="91440" bIns="45720" numCol="1" spcCol="0" rtlCol="0" fromWordArt="0" anchor="t" anchorCtr="0" forceAA="0" compatLnSpc="1">
+            <a:prstTxWarp prst="textNoShape">
+              <a:avLst/>
+            </a:prstTxWarp>
+            <a:noAutofit/>
+          </a:bodyPr>
+          <a:lstStyle/>
+          <a:p>
+            <a:r>
+              <a:rPr lang="en-GB" sz="1400" b="1" dirty="0">
+                <a:solidFill>
+                  <a:schemeClr val="bg1"/>
+                </a:solidFill>
+                <a:ea typeface="Calibri" panose="020F0502020204030204" pitchFamily="34" charset="0"/>
+                <a:cs typeface="Times New Roman" panose="02020603050405020304" pitchFamily="18" charset="0"/>
+              </a:rPr>
+              <a:t>NEW CHALLENGE:</a:t>
+            </a:r>
+          </a:p>
+          <a:p>
+            <a:endParaRPr lang="en-GB" sz="1100" dirty="0">
+              <a:solidFill>
+                <a:schemeClr val="bg1"/>
+              </a:solidFill>
+              <a:ea typeface="Calibri" panose="020F0502020204030204" pitchFamily="34" charset="0"/>
+              <a:cs typeface="Times New Roman" panose="02020603050405020304" pitchFamily="18" charset="0"/>
+            </a:endParaRPr>
+          </a:p>
+          <a:p>
+            <a:pPr marL="342900" indent="-342900">
+              <a:buFont typeface="+mj-lt"/>
+              <a:buAutoNum type="arabicPeriod"/>
+            </a:pPr>
+            <a:r>
+              <a:rPr lang="en-GB" sz="1200" dirty="0">
+                <a:solidFill>
+                  <a:schemeClr val="bg1"/>
+                </a:solidFill>
+                <a:effectLst/>
+                <a:ea typeface="Calibri" panose="020F0502020204030204" pitchFamily="34" charset="0"/>
+                <a:cs typeface="Times New Roman" panose="02020603050405020304" pitchFamily="18" charset="0"/>
+              </a:rPr>
+              <a:t>Create an output of the same input string using a  list of popular hashing algorithms </a:t>
+            </a:r>
+          </a:p>
+        </p:txBody>
+      </p:sp>
+      <p:sp>
+        <p:nvSpPr>
+          <p:cNvPr id="7" name="TextBox 6">
+            <a:extLst>
+              <a:ext uri="{FF2B5EF4-FFF2-40B4-BE49-F238E27FC236}">
+                <a16:creationId xmlns:a16="http://schemas.microsoft.com/office/drawing/2014/main" id="{94A615DA-9F97-2BD1-6564-FC1DC080898F}"/>
+              </a:ext>
+            </a:extLst>
+          </p:cNvPr>
+          <p:cNvSpPr txBox="1"/>
+          <p:nvPr/>
+        </p:nvSpPr>
+        <p:spPr>
+          <a:xfrm>
+            <a:off x="234458" y="1373627"/>
+            <a:ext cx="6638924" cy="369332"/>
+          </a:xfrm>
+          <a:prstGeom prst="rect">
+            <a:avLst/>
+          </a:prstGeom>
+          <a:solidFill>
+            <a:schemeClr val="bg2"/>
+          </a:solidFill>
+        </p:spPr>
+        <p:txBody>
+          <a:bodyPr wrap="square" rtlCol="0">
+            <a:spAutoFit/>
+          </a:bodyPr>
+          <a:lstStyle/>
+          <a:p>
+            <a:r>
+              <a:rPr lang="en-GB" b="1" dirty="0">
+                <a:ln>
+                  <a:solidFill>
+                    <a:schemeClr val="accent6">
+                      <a:lumMod val="50000"/>
+                    </a:schemeClr>
+                  </a:solidFill>
+                </a:ln>
+                <a:solidFill>
+                  <a:srgbClr val="C00000"/>
+                </a:solidFill>
+              </a:rPr>
+              <a:t>Popular HASH algorithms</a:t>
+            </a:r>
+            <a:endParaRPr lang="en-GB" dirty="0">
+              <a:ln>
+                <a:solidFill>
+                  <a:schemeClr val="accent6">
+                    <a:lumMod val="50000"/>
+                  </a:schemeClr>
+                </a:solidFill>
+              </a:ln>
+              <a:solidFill>
+                <a:schemeClr val="accent6">
+                  <a:lumMod val="50000"/>
+                </a:schemeClr>
+              </a:solidFill>
+            </a:endParaRPr>
+          </a:p>
+        </p:txBody>
+      </p:sp>
+      <p:pic>
+        <p:nvPicPr>
+          <p:cNvPr id="2" name="Picture 1">
+            <a:extLst>
+              <a:ext uri="{FF2B5EF4-FFF2-40B4-BE49-F238E27FC236}">
+                <a16:creationId xmlns:a16="http://schemas.microsoft.com/office/drawing/2014/main" id="{7013D8C9-8569-7195-9D44-7112C41F9F3A}"/>
+              </a:ext>
+            </a:extLst>
+          </p:cNvPr>
+          <p:cNvPicPr>
+            <a:picLocks noChangeAspect="1"/>
+          </p:cNvPicPr>
+          <p:nvPr/>
+        </p:nvPicPr>
+        <p:blipFill rotWithShape="1">
+          <a:blip r:embed="rId7"/>
+          <a:srcRect l="28168" t="5932" r="7043" b="3672"/>
+          <a:stretch/>
+        </p:blipFill>
+        <p:spPr>
+          <a:xfrm>
+            <a:off x="7705725" y="349032"/>
+            <a:ext cx="1390650" cy="1209261"/>
+          </a:xfrm>
+          <a:prstGeom prst="rect">
+            <a:avLst/>
+          </a:prstGeom>
+        </p:spPr>
+      </p:pic>
+      <p:pic>
+        <p:nvPicPr>
+          <p:cNvPr id="11" name="Picture 10">
+            <a:extLst>
+              <a:ext uri="{FF2B5EF4-FFF2-40B4-BE49-F238E27FC236}">
+                <a16:creationId xmlns:a16="http://schemas.microsoft.com/office/drawing/2014/main" id="{8B3FA9EC-8807-A633-6CE6-D90D43DF5910}"/>
+              </a:ext>
+            </a:extLst>
+          </p:cNvPr>
+          <p:cNvPicPr>
+            <a:picLocks noChangeAspect="1"/>
+          </p:cNvPicPr>
+          <p:nvPr/>
+        </p:nvPicPr>
+        <p:blipFill>
+          <a:blip r:embed="rId8"/>
+          <a:stretch>
+            <a:fillRect/>
+          </a:stretch>
+        </p:blipFill>
+        <p:spPr>
+          <a:xfrm>
+            <a:off x="234458" y="1819275"/>
+            <a:ext cx="6638924" cy="3394790"/>
+          </a:xfrm>
+          <a:prstGeom prst="rect">
+            <a:avLst/>
+          </a:prstGeom>
+        </p:spPr>
+      </p:pic>
+      <p:sp>
+        <p:nvSpPr>
+          <p:cNvPr id="3" name="Text Box 1">
+            <a:extLst>
+              <a:ext uri="{FF2B5EF4-FFF2-40B4-BE49-F238E27FC236}">
+                <a16:creationId xmlns:a16="http://schemas.microsoft.com/office/drawing/2014/main" id="{6EBB0296-1117-7430-615E-765046DCE31E}"/>
+              </a:ext>
+            </a:extLst>
+          </p:cNvPr>
+          <p:cNvSpPr txBox="1"/>
+          <p:nvPr/>
+        </p:nvSpPr>
+        <p:spPr>
+          <a:xfrm>
+            <a:off x="7286625" y="1819275"/>
+            <a:ext cx="4143375" cy="3394790"/>
+          </a:xfrm>
+          <a:prstGeom prst="rect">
+            <a:avLst/>
+          </a:prstGeom>
+          <a:solidFill>
+            <a:schemeClr val="accent3">
+              <a:lumMod val="20000"/>
+              <a:lumOff val="80000"/>
+            </a:schemeClr>
+          </a:solidFill>
+          <a:ln w="6350">
+            <a:solidFill>
+              <a:prstClr val="black"/>
+            </a:solidFill>
+          </a:ln>
+          <a:effectLst/>
+        </p:spPr>
+        <p:style>
+          <a:lnRef idx="0">
+            <a:schemeClr val="accent1"/>
+          </a:lnRef>
+          <a:fillRef idx="0">
+            <a:schemeClr val="accent1"/>
+          </a:fillRef>
+          <a:effectRef idx="0">
+            <a:schemeClr val="accent1"/>
+          </a:effectRef>
+          <a:fontRef idx="minor">
+            <a:schemeClr val="dk1"/>
+          </a:fontRef>
+        </p:style>
+        <p:txBody>
+          <a:bodyPr rot="0" spcFirstLastPara="0" vert="horz" wrap="square" lIns="91440" tIns="45720" rIns="91440" bIns="45720" numCol="1" spcCol="0" rtlCol="0" fromWordArt="0" anchor="t" anchorCtr="0" forceAA="0" compatLnSpc="1">
+            <a:prstTxWarp prst="textNoShape">
+              <a:avLst/>
+            </a:prstTxWarp>
+            <a:noAutofit/>
+          </a:bodyPr>
+          <a:lstStyle/>
+          <a:p>
+            <a:r>
+              <a:rPr lang="en-GB" sz="1400" b="1" dirty="0">
+                <a:solidFill>
+                  <a:schemeClr val="tx1"/>
+                </a:solidFill>
+                <a:ea typeface="Calibri" panose="020F0502020204030204" pitchFamily="34" charset="0"/>
+                <a:cs typeface="Times New Roman" panose="02020603050405020304" pitchFamily="18" charset="0"/>
+              </a:rPr>
+              <a:t>NEW CHALLENGE:</a:t>
+            </a:r>
+          </a:p>
+          <a:p>
+            <a:endParaRPr lang="en-GB" sz="1100" dirty="0">
+              <a:solidFill>
+                <a:schemeClr val="tx1"/>
+              </a:solidFill>
+              <a:ea typeface="Calibri" panose="020F0502020204030204" pitchFamily="34" charset="0"/>
+              <a:cs typeface="Times New Roman" panose="02020603050405020304" pitchFamily="18" charset="0"/>
+            </a:endParaRPr>
+          </a:p>
+          <a:p>
+            <a:r>
+              <a:rPr lang="en-GB" sz="1200" dirty="0">
+                <a:solidFill>
+                  <a:schemeClr val="tx1"/>
+                </a:solidFill>
+                <a:ea typeface="Calibri" panose="020F0502020204030204" pitchFamily="34" charset="0"/>
+                <a:cs typeface="Times New Roman" panose="02020603050405020304" pitchFamily="18" charset="0"/>
+              </a:rPr>
+              <a:t>Create a python program that will take any string as an input. </a:t>
+            </a:r>
+          </a:p>
+          <a:p>
+            <a:r>
+              <a:rPr lang="en-GB" sz="1200" dirty="0">
+                <a:solidFill>
+                  <a:schemeClr val="tx1"/>
+                </a:solidFill>
+                <a:ea typeface="Calibri" panose="020F0502020204030204" pitchFamily="34" charset="0"/>
+                <a:cs typeface="Times New Roman" panose="02020603050405020304" pitchFamily="18" charset="0"/>
+              </a:rPr>
+              <a:t>It will create a dictionary that will store all the unique characters and their hash code.</a:t>
+            </a:r>
+          </a:p>
+          <a:p>
+            <a:r>
+              <a:rPr lang="en-GB" sz="1200" dirty="0">
+                <a:solidFill>
+                  <a:schemeClr val="tx1"/>
+                </a:solidFill>
+                <a:ea typeface="Calibri" panose="020F0502020204030204" pitchFamily="34" charset="0"/>
+                <a:cs typeface="Times New Roman" panose="02020603050405020304" pitchFamily="18" charset="0"/>
+              </a:rPr>
+              <a:t>You can use any has algorithm or you can allow the user to select any of the popular algorithms.</a:t>
+            </a:r>
+          </a:p>
+          <a:p>
+            <a:r>
+              <a:rPr lang="en-GB" sz="1200" dirty="0">
+                <a:solidFill>
+                  <a:schemeClr val="tx1"/>
+                </a:solidFill>
+                <a:ea typeface="Calibri" panose="020F0502020204030204" pitchFamily="34" charset="0"/>
+                <a:cs typeface="Times New Roman" panose="02020603050405020304" pitchFamily="18" charset="0"/>
+              </a:rPr>
+              <a:t>In the end, it will print all the dictionary keys and values.</a:t>
+            </a:r>
+            <a:endParaRPr lang="en-GB" sz="1100" dirty="0">
+              <a:solidFill>
+                <a:schemeClr val="tx1"/>
+              </a:solidFill>
+              <a:ea typeface="Calibri" panose="020F0502020204030204" pitchFamily="34" charset="0"/>
+              <a:cs typeface="Times New Roman" panose="02020603050405020304" pitchFamily="18" charset="0"/>
+            </a:endParaRPr>
+          </a:p>
+        </p:txBody>
+      </p:sp>
+    </p:spTree>
+    <p:extLst>
+      <p:ext uri="{BB962C8B-B14F-4D97-AF65-F5344CB8AC3E}">
+        <p14:creationId xmlns:p14="http://schemas.microsoft.com/office/powerpoint/2010/main" val="3801481980"/>
       </p:ext>
     </p:extLst>
   </p:cSld>
